--- a/FIgures.pptx
+++ b/FIgures.pptx
@@ -6,6 +6,7 @@
   </p:sldMasterIdLst>
   <p:sldIdLst>
     <p:sldId id="256" r:id="rId2"/>
+    <p:sldId id="257" r:id="rId3"/>
   </p:sldIdLst>
   <p:sldSz cx="12192000" cy="6858000"/>
   <p:notesSz cx="6858000" cy="9144000"/>
@@ -104,6 +105,11 @@
       </a:defRPr>
     </a:lvl9pPr>
   </p:defaultTextStyle>
+  <p:extLst>
+    <p:ext uri="{EFAFB233-063F-42B5-8137-9DF3F51BA10A}">
+      <p15:sldGuideLst xmlns:p15="http://schemas.microsoft.com/office/powerpoint/2012/main"/>
+    </p:ext>
+  </p:extLst>
 </p:presentation>
 </file>
 
@@ -256,7 +262,7 @@
           <a:p>
             <a:fld id="{22224A9C-D2EC-4828-88C3-7FA34E022242}" type="datetimeFigureOut">
               <a:rPr lang="en-CA" smtClean="0"/>
-              <a:t>2021-01-30</a:t>
+              <a:t>2021-02-07</a:t>
             </a:fld>
             <a:endParaRPr lang="en-CA"/>
           </a:p>
@@ -456,7 +462,7 @@
           <a:p>
             <a:fld id="{22224A9C-D2EC-4828-88C3-7FA34E022242}" type="datetimeFigureOut">
               <a:rPr lang="en-CA" smtClean="0"/>
-              <a:t>2021-01-30</a:t>
+              <a:t>2021-02-07</a:t>
             </a:fld>
             <a:endParaRPr lang="en-CA"/>
           </a:p>
@@ -666,7 +672,7 @@
           <a:p>
             <a:fld id="{22224A9C-D2EC-4828-88C3-7FA34E022242}" type="datetimeFigureOut">
               <a:rPr lang="en-CA" smtClean="0"/>
-              <a:t>2021-01-30</a:t>
+              <a:t>2021-02-07</a:t>
             </a:fld>
             <a:endParaRPr lang="en-CA"/>
           </a:p>
@@ -866,7 +872,7 @@
           <a:p>
             <a:fld id="{22224A9C-D2EC-4828-88C3-7FA34E022242}" type="datetimeFigureOut">
               <a:rPr lang="en-CA" smtClean="0"/>
-              <a:t>2021-01-30</a:t>
+              <a:t>2021-02-07</a:t>
             </a:fld>
             <a:endParaRPr lang="en-CA"/>
           </a:p>
@@ -1142,7 +1148,7 @@
           <a:p>
             <a:fld id="{22224A9C-D2EC-4828-88C3-7FA34E022242}" type="datetimeFigureOut">
               <a:rPr lang="en-CA" smtClean="0"/>
-              <a:t>2021-01-30</a:t>
+              <a:t>2021-02-07</a:t>
             </a:fld>
             <a:endParaRPr lang="en-CA"/>
           </a:p>
@@ -1410,7 +1416,7 @@
           <a:p>
             <a:fld id="{22224A9C-D2EC-4828-88C3-7FA34E022242}" type="datetimeFigureOut">
               <a:rPr lang="en-CA" smtClean="0"/>
-              <a:t>2021-01-30</a:t>
+              <a:t>2021-02-07</a:t>
             </a:fld>
             <a:endParaRPr lang="en-CA"/>
           </a:p>
@@ -1825,7 +1831,7 @@
           <a:p>
             <a:fld id="{22224A9C-D2EC-4828-88C3-7FA34E022242}" type="datetimeFigureOut">
               <a:rPr lang="en-CA" smtClean="0"/>
-              <a:t>2021-01-30</a:t>
+              <a:t>2021-02-07</a:t>
             </a:fld>
             <a:endParaRPr lang="en-CA"/>
           </a:p>
@@ -1967,7 +1973,7 @@
           <a:p>
             <a:fld id="{22224A9C-D2EC-4828-88C3-7FA34E022242}" type="datetimeFigureOut">
               <a:rPr lang="en-CA" smtClean="0"/>
-              <a:t>2021-01-30</a:t>
+              <a:t>2021-02-07</a:t>
             </a:fld>
             <a:endParaRPr lang="en-CA"/>
           </a:p>
@@ -2080,7 +2086,7 @@
           <a:p>
             <a:fld id="{22224A9C-D2EC-4828-88C3-7FA34E022242}" type="datetimeFigureOut">
               <a:rPr lang="en-CA" smtClean="0"/>
-              <a:t>2021-01-30</a:t>
+              <a:t>2021-02-07</a:t>
             </a:fld>
             <a:endParaRPr lang="en-CA"/>
           </a:p>
@@ -2393,7 +2399,7 @@
           <a:p>
             <a:fld id="{22224A9C-D2EC-4828-88C3-7FA34E022242}" type="datetimeFigureOut">
               <a:rPr lang="en-CA" smtClean="0"/>
-              <a:t>2021-01-30</a:t>
+              <a:t>2021-02-07</a:t>
             </a:fld>
             <a:endParaRPr lang="en-CA"/>
           </a:p>
@@ -2682,7 +2688,7 @@
           <a:p>
             <a:fld id="{22224A9C-D2EC-4828-88C3-7FA34E022242}" type="datetimeFigureOut">
               <a:rPr lang="en-CA" smtClean="0"/>
-              <a:t>2021-01-30</a:t>
+              <a:t>2021-02-07</a:t>
             </a:fld>
             <a:endParaRPr lang="en-CA"/>
           </a:p>
@@ -2925,7 +2931,7 @@
           <a:p>
             <a:fld id="{22224A9C-D2EC-4828-88C3-7FA34E022242}" type="datetimeFigureOut">
               <a:rPr lang="en-CA" smtClean="0"/>
-              <a:t>2021-01-30</a:t>
+              <a:t>2021-02-07</a:t>
             </a:fld>
             <a:endParaRPr lang="en-CA"/>
           </a:p>
@@ -4292,6 +4298,690 @@
 </p:sld>
 </file>
 
+<file path=ppt/slides/slide2.xml><?xml version="1.0" encoding="utf-8"?>
+<p:sld xmlns:a="http://schemas.openxmlformats.org/drawingml/2006/main" xmlns:r="http://schemas.openxmlformats.org/officeDocument/2006/relationships" xmlns:p="http://schemas.openxmlformats.org/presentationml/2006/main">
+  <p:cSld>
+    <p:spTree>
+      <p:nvGrpSpPr>
+        <p:cNvPr id="1" name=""/>
+        <p:cNvGrpSpPr/>
+        <p:nvPr/>
+      </p:nvGrpSpPr>
+      <p:grpSpPr>
+        <a:xfrm>
+          <a:off x="0" y="0"/>
+          <a:ext cx="0" cy="0"/>
+          <a:chOff x="0" y="0"/>
+          <a:chExt cx="0" cy="0"/>
+        </a:xfrm>
+      </p:grpSpPr>
+      <p:pic>
+        <p:nvPicPr>
+          <p:cNvPr id="5" name="Picture 4">
+            <a:extLst>
+              <a:ext uri="{FF2B5EF4-FFF2-40B4-BE49-F238E27FC236}">
+                <a16:creationId xmlns:a16="http://schemas.microsoft.com/office/drawing/2014/main" id="{388C87BF-501D-4A62-930E-5CCE5BF0E1BF}"/>
+              </a:ext>
+            </a:extLst>
+          </p:cNvPr>
+          <p:cNvPicPr>
+            <a:picLocks noChangeAspect="1"/>
+          </p:cNvPicPr>
+          <p:nvPr/>
+        </p:nvPicPr>
+        <p:blipFill>
+          <a:blip r:embed="rId2"/>
+          <a:stretch>
+            <a:fillRect/>
+          </a:stretch>
+        </p:blipFill>
+        <p:spPr>
+          <a:xfrm>
+            <a:off x="365913" y="673592"/>
+            <a:ext cx="11460174" cy="6173061"/>
+          </a:xfrm>
+          <a:prstGeom prst="rect">
+            <a:avLst/>
+          </a:prstGeom>
+        </p:spPr>
+      </p:pic>
+      <p:sp>
+        <p:nvSpPr>
+          <p:cNvPr id="6" name="Rectangle 5">
+            <a:extLst>
+              <a:ext uri="{FF2B5EF4-FFF2-40B4-BE49-F238E27FC236}">
+                <a16:creationId xmlns:a16="http://schemas.microsoft.com/office/drawing/2014/main" id="{89336068-76A7-46D9-80E2-435AAC340F53}"/>
+              </a:ext>
+            </a:extLst>
+          </p:cNvPr>
+          <p:cNvSpPr/>
+          <p:nvPr/>
+        </p:nvSpPr>
+        <p:spPr>
+          <a:xfrm>
+            <a:off x="10672566" y="684939"/>
+            <a:ext cx="842400" cy="5707472"/>
+          </a:xfrm>
+          <a:prstGeom prst="rect">
+            <a:avLst/>
+          </a:prstGeom>
+          <a:solidFill>
+            <a:srgbClr val="A9D18E">
+              <a:alpha val="20000"/>
+            </a:srgbClr>
+          </a:solidFill>
+          <a:ln>
+            <a:noFill/>
+          </a:ln>
+        </p:spPr>
+        <p:style>
+          <a:lnRef idx="2">
+            <a:schemeClr val="accent1">
+              <a:shade val="50000"/>
+            </a:schemeClr>
+          </a:lnRef>
+          <a:fillRef idx="1">
+            <a:schemeClr val="accent1"/>
+          </a:fillRef>
+          <a:effectRef idx="0">
+            <a:schemeClr val="accent1"/>
+          </a:effectRef>
+          <a:fontRef idx="minor">
+            <a:schemeClr val="lt1"/>
+          </a:fontRef>
+        </p:style>
+        <p:txBody>
+          <a:bodyPr rtlCol="0" anchor="ctr"/>
+          <a:lstStyle/>
+          <a:p>
+            <a:pPr algn="ctr"/>
+            <a:r>
+              <a:rPr lang="en-CA" dirty="0"/>
+              <a:t>v</a:t>
+            </a:r>
+          </a:p>
+        </p:txBody>
+      </p:sp>
+      <p:sp>
+        <p:nvSpPr>
+          <p:cNvPr id="16" name="Rectangle 15">
+            <a:extLst>
+              <a:ext uri="{FF2B5EF4-FFF2-40B4-BE49-F238E27FC236}">
+                <a16:creationId xmlns:a16="http://schemas.microsoft.com/office/drawing/2014/main" id="{902ABA24-29FD-4936-9937-2E1DFBB6744B}"/>
+              </a:ext>
+            </a:extLst>
+          </p:cNvPr>
+          <p:cNvSpPr/>
+          <p:nvPr/>
+        </p:nvSpPr>
+        <p:spPr>
+          <a:xfrm>
+            <a:off x="9754992" y="684939"/>
+            <a:ext cx="917574" cy="5707472"/>
+          </a:xfrm>
+          <a:prstGeom prst="rect">
+            <a:avLst/>
+          </a:prstGeom>
+          <a:solidFill>
+            <a:schemeClr val="accent5">
+              <a:lumMod val="40000"/>
+              <a:lumOff val="60000"/>
+              <a:alpha val="20000"/>
+            </a:schemeClr>
+          </a:solidFill>
+          <a:ln>
+            <a:noFill/>
+          </a:ln>
+        </p:spPr>
+        <p:style>
+          <a:lnRef idx="2">
+            <a:schemeClr val="accent1">
+              <a:shade val="50000"/>
+            </a:schemeClr>
+          </a:lnRef>
+          <a:fillRef idx="1">
+            <a:schemeClr val="accent1"/>
+          </a:fillRef>
+          <a:effectRef idx="0">
+            <a:schemeClr val="accent1"/>
+          </a:effectRef>
+          <a:fontRef idx="minor">
+            <a:schemeClr val="lt1"/>
+          </a:fontRef>
+        </p:style>
+        <p:txBody>
+          <a:bodyPr rtlCol="0" anchor="ctr"/>
+          <a:lstStyle/>
+          <a:p>
+            <a:pPr algn="ctr"/>
+            <a:endParaRPr lang="en-CA"/>
+          </a:p>
+        </p:txBody>
+      </p:sp>
+      <p:sp>
+        <p:nvSpPr>
+          <p:cNvPr id="17" name="Rectangle 16">
+            <a:extLst>
+              <a:ext uri="{FF2B5EF4-FFF2-40B4-BE49-F238E27FC236}">
+                <a16:creationId xmlns:a16="http://schemas.microsoft.com/office/drawing/2014/main" id="{28E4FCE3-513C-4177-BA94-7D7913CB38C5}"/>
+              </a:ext>
+            </a:extLst>
+          </p:cNvPr>
+          <p:cNvSpPr/>
+          <p:nvPr/>
+        </p:nvSpPr>
+        <p:spPr>
+          <a:xfrm>
+            <a:off x="8912592" y="684939"/>
+            <a:ext cx="842400" cy="5707472"/>
+          </a:xfrm>
+          <a:prstGeom prst="rect">
+            <a:avLst/>
+          </a:prstGeom>
+          <a:solidFill>
+            <a:schemeClr val="accent4">
+              <a:lumMod val="40000"/>
+              <a:lumOff val="60000"/>
+              <a:alpha val="20000"/>
+            </a:schemeClr>
+          </a:solidFill>
+          <a:ln>
+            <a:noFill/>
+          </a:ln>
+        </p:spPr>
+        <p:style>
+          <a:lnRef idx="2">
+            <a:schemeClr val="accent1">
+              <a:shade val="50000"/>
+            </a:schemeClr>
+          </a:lnRef>
+          <a:fillRef idx="1">
+            <a:schemeClr val="accent1"/>
+          </a:fillRef>
+          <a:effectRef idx="0">
+            <a:schemeClr val="accent1"/>
+          </a:effectRef>
+          <a:fontRef idx="minor">
+            <a:schemeClr val="lt1"/>
+          </a:fontRef>
+        </p:style>
+        <p:txBody>
+          <a:bodyPr rtlCol="0" anchor="ctr"/>
+          <a:lstStyle/>
+          <a:p>
+            <a:pPr algn="ctr"/>
+            <a:endParaRPr lang="en-CA"/>
+          </a:p>
+        </p:txBody>
+      </p:sp>
+      <p:sp>
+        <p:nvSpPr>
+          <p:cNvPr id="18" name="Rectangle 17">
+            <a:extLst>
+              <a:ext uri="{FF2B5EF4-FFF2-40B4-BE49-F238E27FC236}">
+                <a16:creationId xmlns:a16="http://schemas.microsoft.com/office/drawing/2014/main" id="{300E8DD2-4D8B-4197-AB65-01C630DB1886}"/>
+              </a:ext>
+            </a:extLst>
+          </p:cNvPr>
+          <p:cNvSpPr/>
+          <p:nvPr/>
+        </p:nvSpPr>
+        <p:spPr>
+          <a:xfrm>
+            <a:off x="8073792" y="684939"/>
+            <a:ext cx="842400" cy="5707472"/>
+          </a:xfrm>
+          <a:prstGeom prst="rect">
+            <a:avLst/>
+          </a:prstGeom>
+          <a:solidFill>
+            <a:schemeClr val="accent2">
+              <a:lumMod val="40000"/>
+              <a:lumOff val="60000"/>
+              <a:alpha val="20000"/>
+            </a:schemeClr>
+          </a:solidFill>
+          <a:ln>
+            <a:noFill/>
+          </a:ln>
+        </p:spPr>
+        <p:style>
+          <a:lnRef idx="2">
+            <a:schemeClr val="accent1">
+              <a:shade val="50000"/>
+            </a:schemeClr>
+          </a:lnRef>
+          <a:fillRef idx="1">
+            <a:schemeClr val="accent1"/>
+          </a:fillRef>
+          <a:effectRef idx="0">
+            <a:schemeClr val="accent1"/>
+          </a:effectRef>
+          <a:fontRef idx="minor">
+            <a:schemeClr val="lt1"/>
+          </a:fontRef>
+        </p:style>
+        <p:txBody>
+          <a:bodyPr rtlCol="0" anchor="ctr"/>
+          <a:lstStyle/>
+          <a:p>
+            <a:pPr algn="ctr"/>
+            <a:endParaRPr lang="en-CA"/>
+          </a:p>
+        </p:txBody>
+      </p:sp>
+      <p:sp>
+        <p:nvSpPr>
+          <p:cNvPr id="23" name="Rectangle 22">
+            <a:extLst>
+              <a:ext uri="{FF2B5EF4-FFF2-40B4-BE49-F238E27FC236}">
+                <a16:creationId xmlns:a16="http://schemas.microsoft.com/office/drawing/2014/main" id="{EF3204EA-624F-4FA6-805A-8DA7E01890B5}"/>
+              </a:ext>
+            </a:extLst>
+          </p:cNvPr>
+          <p:cNvSpPr/>
+          <p:nvPr/>
+        </p:nvSpPr>
+        <p:spPr>
+          <a:xfrm>
+            <a:off x="898216" y="684939"/>
+            <a:ext cx="7183878" cy="5707472"/>
+          </a:xfrm>
+          <a:prstGeom prst="rect">
+            <a:avLst/>
+          </a:prstGeom>
+          <a:solidFill>
+            <a:srgbClr val="00B0F0">
+              <a:alpha val="20000"/>
+            </a:srgbClr>
+          </a:solidFill>
+          <a:ln>
+            <a:noFill/>
+          </a:ln>
+        </p:spPr>
+        <p:style>
+          <a:lnRef idx="2">
+            <a:schemeClr val="accent1">
+              <a:shade val="50000"/>
+            </a:schemeClr>
+          </a:lnRef>
+          <a:fillRef idx="1">
+            <a:schemeClr val="accent1"/>
+          </a:fillRef>
+          <a:effectRef idx="0">
+            <a:schemeClr val="accent1"/>
+          </a:effectRef>
+          <a:fontRef idx="minor">
+            <a:schemeClr val="lt1"/>
+          </a:fontRef>
+        </p:style>
+        <p:txBody>
+          <a:bodyPr rtlCol="0" anchor="ctr"/>
+          <a:lstStyle/>
+          <a:p>
+            <a:pPr algn="ctr"/>
+            <a:endParaRPr lang="en-CA" dirty="0"/>
+          </a:p>
+        </p:txBody>
+      </p:sp>
+      <p:sp>
+        <p:nvSpPr>
+          <p:cNvPr id="26" name="TextBox 25">
+            <a:extLst>
+              <a:ext uri="{FF2B5EF4-FFF2-40B4-BE49-F238E27FC236}">
+                <a16:creationId xmlns:a16="http://schemas.microsoft.com/office/drawing/2014/main" id="{DF0FF41C-37EF-4D4B-9920-EF34FE75DBC9}"/>
+              </a:ext>
+            </a:extLst>
+          </p:cNvPr>
+          <p:cNvSpPr txBox="1"/>
+          <p:nvPr/>
+        </p:nvSpPr>
+        <p:spPr>
+          <a:xfrm>
+            <a:off x="10705895" y="389416"/>
+            <a:ext cx="764953" cy="307777"/>
+          </a:xfrm>
+          <a:prstGeom prst="rect">
+            <a:avLst/>
+          </a:prstGeom>
+          <a:noFill/>
+        </p:spPr>
+        <p:txBody>
+          <a:bodyPr wrap="none" rtlCol="0">
+            <a:spAutoFit/>
+          </a:bodyPr>
+          <a:lstStyle/>
+          <a:p>
+            <a:r>
+              <a:rPr lang="en-CA" sz="1400" b="1" dirty="0"/>
+              <a:t>CLASS 1</a:t>
+            </a:r>
+          </a:p>
+        </p:txBody>
+      </p:sp>
+      <p:sp>
+        <p:nvSpPr>
+          <p:cNvPr id="27" name="TextBox 26">
+            <a:extLst>
+              <a:ext uri="{FF2B5EF4-FFF2-40B4-BE49-F238E27FC236}">
+                <a16:creationId xmlns:a16="http://schemas.microsoft.com/office/drawing/2014/main" id="{B8FAAE4C-F43A-436B-869A-E5DFB31A721F}"/>
+              </a:ext>
+            </a:extLst>
+          </p:cNvPr>
+          <p:cNvSpPr txBox="1"/>
+          <p:nvPr/>
+        </p:nvSpPr>
+        <p:spPr>
+          <a:xfrm>
+            <a:off x="9830166" y="390323"/>
+            <a:ext cx="764953" cy="307777"/>
+          </a:xfrm>
+          <a:prstGeom prst="rect">
+            <a:avLst/>
+          </a:prstGeom>
+          <a:noFill/>
+        </p:spPr>
+        <p:txBody>
+          <a:bodyPr wrap="none" rtlCol="0">
+            <a:spAutoFit/>
+          </a:bodyPr>
+          <a:lstStyle/>
+          <a:p>
+            <a:r>
+              <a:rPr lang="en-CA" sz="1400" b="1" dirty="0"/>
+              <a:t>CLASS 2</a:t>
+            </a:r>
+          </a:p>
+        </p:txBody>
+      </p:sp>
+      <p:sp>
+        <p:nvSpPr>
+          <p:cNvPr id="28" name="TextBox 27">
+            <a:extLst>
+              <a:ext uri="{FF2B5EF4-FFF2-40B4-BE49-F238E27FC236}">
+                <a16:creationId xmlns:a16="http://schemas.microsoft.com/office/drawing/2014/main" id="{4495F833-51B1-4A4E-96BA-026C6060DBE3}"/>
+              </a:ext>
+            </a:extLst>
+          </p:cNvPr>
+          <p:cNvSpPr txBox="1"/>
+          <p:nvPr/>
+        </p:nvSpPr>
+        <p:spPr>
+          <a:xfrm>
+            <a:off x="8954437" y="390323"/>
+            <a:ext cx="764953" cy="307777"/>
+          </a:xfrm>
+          <a:prstGeom prst="rect">
+            <a:avLst/>
+          </a:prstGeom>
+          <a:noFill/>
+        </p:spPr>
+        <p:txBody>
+          <a:bodyPr wrap="none" rtlCol="0">
+            <a:spAutoFit/>
+          </a:bodyPr>
+          <a:lstStyle/>
+          <a:p>
+            <a:r>
+              <a:rPr lang="en-CA" sz="1400" b="1" dirty="0"/>
+              <a:t>CLASS 3</a:t>
+            </a:r>
+          </a:p>
+        </p:txBody>
+      </p:sp>
+      <p:sp>
+        <p:nvSpPr>
+          <p:cNvPr id="29" name="TextBox 28">
+            <a:extLst>
+              <a:ext uri="{FF2B5EF4-FFF2-40B4-BE49-F238E27FC236}">
+                <a16:creationId xmlns:a16="http://schemas.microsoft.com/office/drawing/2014/main" id="{33DA8403-96D0-42E2-9FD1-F13007C744D8}"/>
+              </a:ext>
+            </a:extLst>
+          </p:cNvPr>
+          <p:cNvSpPr txBox="1"/>
+          <p:nvPr/>
+        </p:nvSpPr>
+        <p:spPr>
+          <a:xfrm>
+            <a:off x="8117696" y="394798"/>
+            <a:ext cx="764953" cy="307777"/>
+          </a:xfrm>
+          <a:prstGeom prst="rect">
+            <a:avLst/>
+          </a:prstGeom>
+          <a:noFill/>
+        </p:spPr>
+        <p:txBody>
+          <a:bodyPr wrap="none" rtlCol="0">
+            <a:spAutoFit/>
+          </a:bodyPr>
+          <a:lstStyle/>
+          <a:p>
+            <a:r>
+              <a:rPr lang="en-CA" sz="1400" b="1" dirty="0"/>
+              <a:t>CLASS 4</a:t>
+            </a:r>
+          </a:p>
+        </p:txBody>
+      </p:sp>
+      <p:sp>
+        <p:nvSpPr>
+          <p:cNvPr id="30" name="TextBox 29">
+            <a:extLst>
+              <a:ext uri="{FF2B5EF4-FFF2-40B4-BE49-F238E27FC236}">
+                <a16:creationId xmlns:a16="http://schemas.microsoft.com/office/drawing/2014/main" id="{ABE1DA4A-1F06-4003-A3E4-FC9CA4289E3C}"/>
+              </a:ext>
+            </a:extLst>
+          </p:cNvPr>
+          <p:cNvSpPr txBox="1"/>
+          <p:nvPr/>
+        </p:nvSpPr>
+        <p:spPr>
+          <a:xfrm>
+            <a:off x="4036248" y="389416"/>
+            <a:ext cx="764953" cy="307777"/>
+          </a:xfrm>
+          <a:prstGeom prst="rect">
+            <a:avLst/>
+          </a:prstGeom>
+          <a:noFill/>
+        </p:spPr>
+        <p:txBody>
+          <a:bodyPr wrap="none" rtlCol="0">
+            <a:spAutoFit/>
+          </a:bodyPr>
+          <a:lstStyle/>
+          <a:p>
+            <a:r>
+              <a:rPr lang="en-CA" sz="1400" b="1" dirty="0"/>
+              <a:t>CLASS 5</a:t>
+            </a:r>
+          </a:p>
+        </p:txBody>
+      </p:sp>
+      <p:cxnSp>
+        <p:nvCxnSpPr>
+          <p:cNvPr id="3" name="Straight Connector 2">
+            <a:extLst>
+              <a:ext uri="{FF2B5EF4-FFF2-40B4-BE49-F238E27FC236}">
+                <a16:creationId xmlns:a16="http://schemas.microsoft.com/office/drawing/2014/main" id="{61854C80-2B48-43A6-8E31-41659E1F22F7}"/>
+              </a:ext>
+            </a:extLst>
+          </p:cNvPr>
+          <p:cNvCxnSpPr/>
+          <p:nvPr/>
+        </p:nvCxnSpPr>
+        <p:spPr>
+          <a:xfrm>
+            <a:off x="1677798" y="2348917"/>
+            <a:ext cx="6395994" cy="0"/>
+          </a:xfrm>
+          <a:prstGeom prst="line">
+            <a:avLst/>
+          </a:prstGeom>
+          <a:ln w="38100">
+            <a:solidFill>
+              <a:srgbClr val="FF0000"/>
+            </a:solidFill>
+          </a:ln>
+        </p:spPr>
+        <p:style>
+          <a:lnRef idx="3">
+            <a:schemeClr val="accent2"/>
+          </a:lnRef>
+          <a:fillRef idx="0">
+            <a:schemeClr val="accent2"/>
+          </a:fillRef>
+          <a:effectRef idx="2">
+            <a:schemeClr val="accent2"/>
+          </a:effectRef>
+          <a:fontRef idx="minor">
+            <a:schemeClr val="tx1"/>
+          </a:fontRef>
+        </p:style>
+      </p:cxnSp>
+      <p:cxnSp>
+        <p:nvCxnSpPr>
+          <p:cNvPr id="25" name="Straight Connector 24">
+            <a:extLst>
+              <a:ext uri="{FF2B5EF4-FFF2-40B4-BE49-F238E27FC236}">
+                <a16:creationId xmlns:a16="http://schemas.microsoft.com/office/drawing/2014/main" id="{36A662E7-92EC-4801-93E2-C1FE63629EA4}"/>
+              </a:ext>
+            </a:extLst>
+          </p:cNvPr>
+          <p:cNvCxnSpPr/>
+          <p:nvPr/>
+        </p:nvCxnSpPr>
+        <p:spPr>
+          <a:xfrm>
+            <a:off x="1677798" y="5454242"/>
+            <a:ext cx="6395994" cy="0"/>
+          </a:xfrm>
+          <a:prstGeom prst="line">
+            <a:avLst/>
+          </a:prstGeom>
+          <a:ln w="38100">
+            <a:solidFill>
+              <a:srgbClr val="FF0000"/>
+            </a:solidFill>
+          </a:ln>
+        </p:spPr>
+        <p:style>
+          <a:lnRef idx="3">
+            <a:schemeClr val="accent2"/>
+          </a:lnRef>
+          <a:fillRef idx="0">
+            <a:schemeClr val="accent2"/>
+          </a:fillRef>
+          <a:effectRef idx="2">
+            <a:schemeClr val="accent2"/>
+          </a:effectRef>
+          <a:fontRef idx="minor">
+            <a:schemeClr val="tx1"/>
+          </a:fontRef>
+        </p:style>
+      </p:cxnSp>
+      <p:cxnSp>
+        <p:nvCxnSpPr>
+          <p:cNvPr id="36" name="Straight Connector 35">
+            <a:extLst>
+              <a:ext uri="{FF2B5EF4-FFF2-40B4-BE49-F238E27FC236}">
+                <a16:creationId xmlns:a16="http://schemas.microsoft.com/office/drawing/2014/main" id="{B690F874-9D6B-4A86-B099-B9EB76235532}"/>
+              </a:ext>
+            </a:extLst>
+          </p:cNvPr>
+          <p:cNvCxnSpPr>
+            <a:cxnSpLocks/>
+          </p:cNvCxnSpPr>
+          <p:nvPr/>
+        </p:nvCxnSpPr>
+        <p:spPr>
+          <a:xfrm flipV="1">
+            <a:off x="8073792" y="1249960"/>
+            <a:ext cx="3441174" cy="1098957"/>
+          </a:xfrm>
+          <a:prstGeom prst="line">
+            <a:avLst/>
+          </a:prstGeom>
+          <a:ln w="38100">
+            <a:solidFill>
+              <a:srgbClr val="FF0000"/>
+            </a:solidFill>
+            <a:prstDash val="sysDot"/>
+          </a:ln>
+        </p:spPr>
+        <p:style>
+          <a:lnRef idx="3">
+            <a:schemeClr val="accent2"/>
+          </a:lnRef>
+          <a:fillRef idx="0">
+            <a:schemeClr val="accent2"/>
+          </a:fillRef>
+          <a:effectRef idx="2">
+            <a:schemeClr val="accent2"/>
+          </a:effectRef>
+          <a:fontRef idx="minor">
+            <a:schemeClr val="tx1"/>
+          </a:fontRef>
+        </p:style>
+      </p:cxnSp>
+      <p:cxnSp>
+        <p:nvCxnSpPr>
+          <p:cNvPr id="37" name="Straight Connector 36">
+            <a:extLst>
+              <a:ext uri="{FF2B5EF4-FFF2-40B4-BE49-F238E27FC236}">
+                <a16:creationId xmlns:a16="http://schemas.microsoft.com/office/drawing/2014/main" id="{2295E767-6EC7-44E6-9E5E-35D69A0929D9}"/>
+              </a:ext>
+            </a:extLst>
+          </p:cNvPr>
+          <p:cNvCxnSpPr>
+            <a:cxnSpLocks/>
+          </p:cNvCxnSpPr>
+          <p:nvPr/>
+        </p:nvCxnSpPr>
+        <p:spPr>
+          <a:xfrm flipV="1">
+            <a:off x="8037829" y="4509083"/>
+            <a:ext cx="3477137" cy="956508"/>
+          </a:xfrm>
+          <a:prstGeom prst="line">
+            <a:avLst/>
+          </a:prstGeom>
+          <a:ln w="38100">
+            <a:solidFill>
+              <a:srgbClr val="FF0000"/>
+            </a:solidFill>
+            <a:prstDash val="sysDot"/>
+          </a:ln>
+        </p:spPr>
+        <p:style>
+          <a:lnRef idx="3">
+            <a:schemeClr val="accent2"/>
+          </a:lnRef>
+          <a:fillRef idx="0">
+            <a:schemeClr val="accent2"/>
+          </a:fillRef>
+          <a:effectRef idx="2">
+            <a:schemeClr val="accent2"/>
+          </a:effectRef>
+          <a:fontRef idx="minor">
+            <a:schemeClr val="tx1"/>
+          </a:fontRef>
+        </p:style>
+      </p:cxnSp>
+    </p:spTree>
+    <p:extLst>
+      <p:ext uri="{BB962C8B-B14F-4D97-AF65-F5344CB8AC3E}">
+        <p14:creationId xmlns:p14="http://schemas.microsoft.com/office/powerpoint/2010/main" val="1972818184"/>
+      </p:ext>
+    </p:extLst>
+  </p:cSld>
+  <p:clrMapOvr>
+    <a:masterClrMapping/>
+  </p:clrMapOvr>
+</p:sld>
+</file>
+
 <file path=ppt/theme/theme1.xml><?xml version="1.0" encoding="utf-8"?>
 <a:theme xmlns:a="http://schemas.openxmlformats.org/drawingml/2006/main" name="Office Theme">
   <a:themeElements>

--- a/FIgures.pptx
+++ b/FIgures.pptx
@@ -7,6 +7,7 @@
   <p:sldIdLst>
     <p:sldId id="256" r:id="rId2"/>
     <p:sldId id="257" r:id="rId3"/>
+    <p:sldId id="258" r:id="rId4"/>
   </p:sldIdLst>
   <p:sldSz cx="12192000" cy="6858000"/>
   <p:notesSz cx="6858000" cy="9144000"/>
@@ -262,7 +263,7 @@
           <a:p>
             <a:fld id="{22224A9C-D2EC-4828-88C3-7FA34E022242}" type="datetimeFigureOut">
               <a:rPr lang="en-CA" smtClean="0"/>
-              <a:t>2021-02-07</a:t>
+              <a:t>2021-02-08</a:t>
             </a:fld>
             <a:endParaRPr lang="en-CA"/>
           </a:p>
@@ -462,7 +463,7 @@
           <a:p>
             <a:fld id="{22224A9C-D2EC-4828-88C3-7FA34E022242}" type="datetimeFigureOut">
               <a:rPr lang="en-CA" smtClean="0"/>
-              <a:t>2021-02-07</a:t>
+              <a:t>2021-02-08</a:t>
             </a:fld>
             <a:endParaRPr lang="en-CA"/>
           </a:p>
@@ -672,7 +673,7 @@
           <a:p>
             <a:fld id="{22224A9C-D2EC-4828-88C3-7FA34E022242}" type="datetimeFigureOut">
               <a:rPr lang="en-CA" smtClean="0"/>
-              <a:t>2021-02-07</a:t>
+              <a:t>2021-02-08</a:t>
             </a:fld>
             <a:endParaRPr lang="en-CA"/>
           </a:p>
@@ -872,7 +873,7 @@
           <a:p>
             <a:fld id="{22224A9C-D2EC-4828-88C3-7FA34E022242}" type="datetimeFigureOut">
               <a:rPr lang="en-CA" smtClean="0"/>
-              <a:t>2021-02-07</a:t>
+              <a:t>2021-02-08</a:t>
             </a:fld>
             <a:endParaRPr lang="en-CA"/>
           </a:p>
@@ -1148,7 +1149,7 @@
           <a:p>
             <a:fld id="{22224A9C-D2EC-4828-88C3-7FA34E022242}" type="datetimeFigureOut">
               <a:rPr lang="en-CA" smtClean="0"/>
-              <a:t>2021-02-07</a:t>
+              <a:t>2021-02-08</a:t>
             </a:fld>
             <a:endParaRPr lang="en-CA"/>
           </a:p>
@@ -1416,7 +1417,7 @@
           <a:p>
             <a:fld id="{22224A9C-D2EC-4828-88C3-7FA34E022242}" type="datetimeFigureOut">
               <a:rPr lang="en-CA" smtClean="0"/>
-              <a:t>2021-02-07</a:t>
+              <a:t>2021-02-08</a:t>
             </a:fld>
             <a:endParaRPr lang="en-CA"/>
           </a:p>
@@ -1831,7 +1832,7 @@
           <a:p>
             <a:fld id="{22224A9C-D2EC-4828-88C3-7FA34E022242}" type="datetimeFigureOut">
               <a:rPr lang="en-CA" smtClean="0"/>
-              <a:t>2021-02-07</a:t>
+              <a:t>2021-02-08</a:t>
             </a:fld>
             <a:endParaRPr lang="en-CA"/>
           </a:p>
@@ -1973,7 +1974,7 @@
           <a:p>
             <a:fld id="{22224A9C-D2EC-4828-88C3-7FA34E022242}" type="datetimeFigureOut">
               <a:rPr lang="en-CA" smtClean="0"/>
-              <a:t>2021-02-07</a:t>
+              <a:t>2021-02-08</a:t>
             </a:fld>
             <a:endParaRPr lang="en-CA"/>
           </a:p>
@@ -2086,7 +2087,7 @@
           <a:p>
             <a:fld id="{22224A9C-D2EC-4828-88C3-7FA34E022242}" type="datetimeFigureOut">
               <a:rPr lang="en-CA" smtClean="0"/>
-              <a:t>2021-02-07</a:t>
+              <a:t>2021-02-08</a:t>
             </a:fld>
             <a:endParaRPr lang="en-CA"/>
           </a:p>
@@ -2399,7 +2400,7 @@
           <a:p>
             <a:fld id="{22224A9C-D2EC-4828-88C3-7FA34E022242}" type="datetimeFigureOut">
               <a:rPr lang="en-CA" smtClean="0"/>
-              <a:t>2021-02-07</a:t>
+              <a:t>2021-02-08</a:t>
             </a:fld>
             <a:endParaRPr lang="en-CA"/>
           </a:p>
@@ -2688,7 +2689,7 @@
           <a:p>
             <a:fld id="{22224A9C-D2EC-4828-88C3-7FA34E022242}" type="datetimeFigureOut">
               <a:rPr lang="en-CA" smtClean="0"/>
-              <a:t>2021-02-07</a:t>
+              <a:t>2021-02-08</a:t>
             </a:fld>
             <a:endParaRPr lang="en-CA"/>
           </a:p>
@@ -2931,7 +2932,7 @@
           <a:p>
             <a:fld id="{22224A9C-D2EC-4828-88C3-7FA34E022242}" type="datetimeFigureOut">
               <a:rPr lang="en-CA" smtClean="0"/>
-              <a:t>2021-02-07</a:t>
+              <a:t>2021-02-08</a:t>
             </a:fld>
             <a:endParaRPr lang="en-CA"/>
           </a:p>
@@ -4982,6 +4983,66 @@
 </p:sld>
 </file>
 
+<file path=ppt/slides/slide3.xml><?xml version="1.0" encoding="utf-8"?>
+<p:sld xmlns:a="http://schemas.openxmlformats.org/drawingml/2006/main" xmlns:r="http://schemas.openxmlformats.org/officeDocument/2006/relationships" xmlns:p="http://schemas.openxmlformats.org/presentationml/2006/main">
+  <p:cSld>
+    <p:spTree>
+      <p:nvGrpSpPr>
+        <p:cNvPr id="1" name=""/>
+        <p:cNvGrpSpPr/>
+        <p:nvPr/>
+      </p:nvGrpSpPr>
+      <p:grpSpPr>
+        <a:xfrm>
+          <a:off x="0" y="0"/>
+          <a:ext cx="0" cy="0"/>
+          <a:chOff x="0" y="0"/>
+          <a:chExt cx="0" cy="0"/>
+        </a:xfrm>
+      </p:grpSpPr>
+      <p:pic>
+        <p:nvPicPr>
+          <p:cNvPr id="3" name="Picture 2">
+            <a:extLst>
+              <a:ext uri="{FF2B5EF4-FFF2-40B4-BE49-F238E27FC236}">
+                <a16:creationId xmlns:a16="http://schemas.microsoft.com/office/drawing/2014/main" id="{84DB9A2F-8291-4262-9B30-EE65953E8909}"/>
+              </a:ext>
+            </a:extLst>
+          </p:cNvPr>
+          <p:cNvPicPr>
+            <a:picLocks noChangeAspect="1"/>
+          </p:cNvPicPr>
+          <p:nvPr/>
+        </p:nvPicPr>
+        <p:blipFill>
+          <a:blip r:embed="rId2"/>
+          <a:stretch>
+            <a:fillRect/>
+          </a:stretch>
+        </p:blipFill>
+        <p:spPr>
+          <a:xfrm>
+            <a:off x="0" y="664291"/>
+            <a:ext cx="12192000" cy="5529418"/>
+          </a:xfrm>
+          <a:prstGeom prst="rect">
+            <a:avLst/>
+          </a:prstGeom>
+        </p:spPr>
+      </p:pic>
+    </p:spTree>
+    <p:extLst>
+      <p:ext uri="{BB962C8B-B14F-4D97-AF65-F5344CB8AC3E}">
+        <p14:creationId xmlns:p14="http://schemas.microsoft.com/office/powerpoint/2010/main" val="210737316"/>
+      </p:ext>
+    </p:extLst>
+  </p:cSld>
+  <p:clrMapOvr>
+    <a:masterClrMapping/>
+  </p:clrMapOvr>
+</p:sld>
+</file>
+
 <file path=ppt/theme/theme1.xml><?xml version="1.0" encoding="utf-8"?>
 <a:theme xmlns:a="http://schemas.openxmlformats.org/drawingml/2006/main" name="Office Theme">
   <a:themeElements>
